--- a/Course work/Презентация.pptx
+++ b/Course work/Презентация.pptx
@@ -6,20 +6,25 @@
     <p:sldMasterId id="2147483661" r:id="rId2"/>
   </p:sldMasterIdLst>
   <p:notesMasterIdLst>
-    <p:notesMasterId r:id="rId14"/>
+    <p:notesMasterId r:id="rId19"/>
   </p:notesMasterIdLst>
   <p:sldIdLst>
     <p:sldId id="256" r:id="rId3"/>
     <p:sldId id="257" r:id="rId4"/>
     <p:sldId id="258" r:id="rId5"/>
     <p:sldId id="259" r:id="rId6"/>
-    <p:sldId id="260" r:id="rId7"/>
-    <p:sldId id="261" r:id="rId8"/>
-    <p:sldId id="262" r:id="rId9"/>
-    <p:sldId id="264" r:id="rId10"/>
-    <p:sldId id="265" r:id="rId11"/>
-    <p:sldId id="267" r:id="rId12"/>
-    <p:sldId id="266" r:id="rId13"/>
+    <p:sldId id="271" r:id="rId7"/>
+    <p:sldId id="260" r:id="rId8"/>
+    <p:sldId id="261" r:id="rId9"/>
+    <p:sldId id="262" r:id="rId10"/>
+    <p:sldId id="264" r:id="rId11"/>
+    <p:sldId id="265" r:id="rId12"/>
+    <p:sldId id="267" r:id="rId13"/>
+    <p:sldId id="269" r:id="rId14"/>
+    <p:sldId id="270" r:id="rId15"/>
+    <p:sldId id="272" r:id="rId16"/>
+    <p:sldId id="273" r:id="rId17"/>
+    <p:sldId id="266" r:id="rId18"/>
   </p:sldIdLst>
   <p:sldSz cx="10080625" cy="7559675"/>
   <p:notesSz cx="7559675" cy="10691813"/>
@@ -208,7 +213,7 @@
           <a:p>
             <a:fld id="{C468F035-D546-40AA-919C-82506E7E0C75}" type="datetimeFigureOut">
               <a:rPr lang="ru-RU" smtClean="0"/>
-              <a:t>13.01.2021</a:t>
+              <a:t>12.04.2021</a:t>
             </a:fld>
             <a:endParaRPr lang="ru-RU"/>
           </a:p>
@@ -4769,7 +4774,7 @@
                 </a:solidFill>
                 <a:latin typeface="Ubuntu"/>
               </a:rPr>
-              <a:t>Разработка программы моделирования передачи сообщений с ассиметричным шифрованием данных</a:t>
+              <a:t>Разработка программы моделирования передачи сообщений с симметричным шифрованием данных</a:t>
             </a:r>
           </a:p>
         </p:txBody>
@@ -4869,6 +4874,182 @@
       </p:grpSpPr>
       <p:sp>
         <p:nvSpPr>
+          <p:cNvPr id="184" name="TextShape 1"/>
+          <p:cNvSpPr txBox="1"/>
+          <p:nvPr/>
+        </p:nvSpPr>
+        <p:spPr>
+          <a:xfrm>
+            <a:off x="504000" y="72000"/>
+            <a:ext cx="9071640" cy="864000"/>
+          </a:xfrm>
+          <a:prstGeom prst="rect">
+            <a:avLst/>
+          </a:prstGeom>
+          <a:noFill/>
+          <a:ln>
+            <a:noFill/>
+          </a:ln>
+        </p:spPr>
+        <p:txBody>
+          <a:bodyPr lIns="0" tIns="0" rIns="0" bIns="0" anchor="ctr">
+            <a:normAutofit/>
+          </a:bodyPr>
+          <a:lstStyle/>
+          <a:p>
+            <a:pPr algn="ctr"/>
+            <a:r>
+              <a:rPr lang="ru-RU" sz="4400" b="0" strike="noStrike" spc="-1">
+                <a:solidFill>
+                  <a:srgbClr val="FFFFFF"/>
+                </a:solidFill>
+                <a:latin typeface="Ubuntu"/>
+              </a:rPr>
+              <a:t>Пользовательский интерфейс</a:t>
+            </a:r>
+          </a:p>
+        </p:txBody>
+      </p:sp>
+      <p:sp>
+        <p:nvSpPr>
+          <p:cNvPr id="2" name="Заголовок 1">
+            <a:extLst>
+              <a:ext uri="{FF2B5EF4-FFF2-40B4-BE49-F238E27FC236}">
+                <a16:creationId xmlns:a16="http://schemas.microsoft.com/office/drawing/2014/main" id="{EC203A53-7C1B-464D-A43F-7E5582DB8CFD}"/>
+              </a:ext>
+            </a:extLst>
+          </p:cNvPr>
+          <p:cNvSpPr>
+            <a:spLocks noGrp="1"/>
+          </p:cNvSpPr>
+          <p:nvPr>
+            <p:ph type="title"/>
+          </p:nvPr>
+        </p:nvSpPr>
+        <p:spPr/>
+        <p:txBody>
+          <a:bodyPr/>
+          <a:lstStyle/>
+          <a:p>
+            <a:endParaRPr lang="ru-RU" dirty="0"/>
+          </a:p>
+        </p:txBody>
+      </p:sp>
+      <p:sp>
+        <p:nvSpPr>
+          <p:cNvPr id="3" name="Текст 2">
+            <a:extLst>
+              <a:ext uri="{FF2B5EF4-FFF2-40B4-BE49-F238E27FC236}">
+                <a16:creationId xmlns:a16="http://schemas.microsoft.com/office/drawing/2014/main" id="{94630779-F4F0-475B-B52D-5616A985CBEE}"/>
+              </a:ext>
+            </a:extLst>
+          </p:cNvPr>
+          <p:cNvSpPr>
+            <a:spLocks noGrp="1"/>
+          </p:cNvSpPr>
+          <p:nvPr>
+            <p:ph type="body"/>
+          </p:nvPr>
+        </p:nvSpPr>
+        <p:spPr/>
+        <p:txBody>
+          <a:bodyPr/>
+          <a:lstStyle/>
+          <a:p>
+            <a:endParaRPr lang="ru-RU" dirty="0"/>
+          </a:p>
+        </p:txBody>
+      </p:sp>
+      <p:pic>
+        <p:nvPicPr>
+          <p:cNvPr id="5" name="Рисунок 4" descr="Изображение выглядит как стол&#10;&#10;Автоматически созданное описание">
+            <a:extLst>
+              <a:ext uri="{FF2B5EF4-FFF2-40B4-BE49-F238E27FC236}">
+                <a16:creationId xmlns:a16="http://schemas.microsoft.com/office/drawing/2014/main" id="{4901E6BB-68DA-4BBD-938F-D01378844E2E}"/>
+              </a:ext>
+            </a:extLst>
+          </p:cNvPr>
+          <p:cNvPicPr>
+            <a:picLocks noChangeAspect="1"/>
+          </p:cNvPicPr>
+          <p:nvPr/>
+        </p:nvPicPr>
+        <p:blipFill>
+          <a:blip r:embed="rId2">
+            <a:extLst>
+              <a:ext uri="{28A0092B-C50C-407E-A947-70E740481C1C}">
+                <a14:useLocalDpi xmlns:a14="http://schemas.microsoft.com/office/drawing/2010/main" val="0"/>
+              </a:ext>
+            </a:extLst>
+          </a:blip>
+          <a:stretch>
+            <a:fillRect/>
+          </a:stretch>
+        </p:blipFill>
+        <p:spPr>
+          <a:xfrm>
+            <a:off x="504000" y="1869424"/>
+            <a:ext cx="9147213" cy="4067303"/>
+          </a:xfrm>
+          <a:prstGeom prst="rect">
+            <a:avLst/>
+          </a:prstGeom>
+        </p:spPr>
+      </p:pic>
+    </p:spTree>
+  </p:cSld>
+  <p:clrMapOvr>
+    <a:masterClrMapping/>
+  </p:clrMapOvr>
+  <p:timing>
+    <p:tnLst>
+      <p:par>
+        <p:cTn id="1" dur="indefinite" restart="never" nodeType="tmRoot">
+          <p:childTnLst>
+            <p:seq>
+              <p:cTn id="2" dur="indefinite" nodeType="mainSeq"/>
+              <p:prevCondLst>
+                <p:cond evt="onPrev" delay="0">
+                  <p:tgtEl>
+                    <p:sldTgt/>
+                  </p:tgtEl>
+                </p:cond>
+              </p:prevCondLst>
+              <p:nextCondLst>
+                <p:cond evt="onNext" delay="0">
+                  <p:tgtEl>
+                    <p:sldTgt/>
+                  </p:tgtEl>
+                </p:cond>
+              </p:nextCondLst>
+            </p:seq>
+          </p:childTnLst>
+        </p:cTn>
+      </p:par>
+    </p:tnLst>
+  </p:timing>
+</p:sld>
+</file>
+
+<file path=ppt/slides/slide11.xml><?xml version="1.0" encoding="utf-8"?>
+<p:sld xmlns:a="http://schemas.openxmlformats.org/drawingml/2006/main" xmlns:r="http://schemas.openxmlformats.org/officeDocument/2006/relationships" xmlns:p="http://schemas.openxmlformats.org/presentationml/2006/main">
+  <p:cSld>
+    <p:spTree>
+      <p:nvGrpSpPr>
+        <p:cNvPr id="1" name=""/>
+        <p:cNvGrpSpPr/>
+        <p:nvPr/>
+      </p:nvGrpSpPr>
+      <p:grpSpPr>
+        <a:xfrm>
+          <a:off x="0" y="0"/>
+          <a:ext cx="0" cy="0"/>
+          <a:chOff x="0" y="0"/>
+          <a:chExt cx="0" cy="0"/>
+        </a:xfrm>
+      </p:grpSpPr>
+      <p:sp>
+        <p:nvSpPr>
           <p:cNvPr id="2" name="Заголовок 1">
             <a:extLst>
               <a:ext uri="{FF2B5EF4-FFF2-40B4-BE49-F238E27FC236}">
@@ -4974,7 +5155,7 @@
 </p:sld>
 </file>
 
-<file path=ppt/slides/slide11.xml><?xml version="1.0" encoding="utf-8"?>
+<file path=ppt/slides/slide12.xml><?xml version="1.0" encoding="utf-8"?>
 <p:sld xmlns:a="http://schemas.openxmlformats.org/drawingml/2006/main" xmlns:r="http://schemas.openxmlformats.org/officeDocument/2006/relationships" xmlns:p="http://schemas.openxmlformats.org/presentationml/2006/main">
   <p:cSld>
     <p:spTree>
@@ -4993,6 +5174,502 @@
       </p:grpSpPr>
       <p:sp>
         <p:nvSpPr>
+          <p:cNvPr id="180" name="TextShape 1"/>
+          <p:cNvSpPr txBox="1"/>
+          <p:nvPr/>
+        </p:nvSpPr>
+        <p:spPr>
+          <a:xfrm>
+            <a:off x="504000" y="-122400"/>
+            <a:ext cx="9071640" cy="1253160"/>
+          </a:xfrm>
+          <a:prstGeom prst="rect">
+            <a:avLst/>
+          </a:prstGeom>
+          <a:noFill/>
+          <a:ln>
+            <a:noFill/>
+          </a:ln>
+        </p:spPr>
+        <p:txBody>
+          <a:bodyPr lIns="0" tIns="0" rIns="0" bIns="0" anchor="ctr">
+            <a:normAutofit lnSpcReduction="10000"/>
+          </a:bodyPr>
+          <a:lstStyle/>
+          <a:p>
+            <a:pPr algn="ctr"/>
+            <a:r>
+              <a:rPr lang="ru-RU" sz="4400" b="0" strike="noStrike" spc="-1">
+                <a:solidFill>
+                  <a:srgbClr val="FFFFFF"/>
+                </a:solidFill>
+                <a:latin typeface="Ubuntu"/>
+              </a:rPr>
+              <a:t>Используемые инструменты разработки </a:t>
+            </a:r>
+          </a:p>
+        </p:txBody>
+      </p:sp>
+      <p:pic>
+        <p:nvPicPr>
+          <p:cNvPr id="6" name="Рисунок 5">
+            <a:extLst>
+              <a:ext uri="{FF2B5EF4-FFF2-40B4-BE49-F238E27FC236}">
+                <a16:creationId xmlns:a16="http://schemas.microsoft.com/office/drawing/2014/main" id="{8E85F5A3-838F-49E9-9AA2-20FAF74B4751}"/>
+              </a:ext>
+            </a:extLst>
+          </p:cNvPr>
+          <p:cNvPicPr/>
+          <p:nvPr/>
+        </p:nvPicPr>
+        <p:blipFill>
+          <a:blip r:embed="rId2"/>
+          <a:stretch>
+            <a:fillRect/>
+          </a:stretch>
+        </p:blipFill>
+        <p:spPr>
+          <a:xfrm>
+            <a:off x="1319665" y="2147309"/>
+            <a:ext cx="7440310" cy="4710690"/>
+          </a:xfrm>
+          <a:prstGeom prst="rect">
+            <a:avLst/>
+          </a:prstGeom>
+        </p:spPr>
+      </p:pic>
+    </p:spTree>
+    <p:extLst>
+      <p:ext uri="{BB962C8B-B14F-4D97-AF65-F5344CB8AC3E}">
+        <p14:creationId xmlns:p14="http://schemas.microsoft.com/office/powerpoint/2010/main" val="1353857773"/>
+      </p:ext>
+    </p:extLst>
+  </p:cSld>
+  <p:clrMapOvr>
+    <a:masterClrMapping/>
+  </p:clrMapOvr>
+  <p:timing>
+    <p:tnLst>
+      <p:par>
+        <p:cTn id="1" dur="indefinite" restart="never" nodeType="tmRoot">
+          <p:childTnLst>
+            <p:seq>
+              <p:cTn id="2" dur="indefinite" nodeType="mainSeq"/>
+              <p:prevCondLst>
+                <p:cond evt="onPrev" delay="0">
+                  <p:tgtEl>
+                    <p:sldTgt/>
+                  </p:tgtEl>
+                </p:cond>
+              </p:prevCondLst>
+              <p:nextCondLst>
+                <p:cond evt="onNext" delay="0">
+                  <p:tgtEl>
+                    <p:sldTgt/>
+                  </p:tgtEl>
+                </p:cond>
+              </p:nextCondLst>
+            </p:seq>
+          </p:childTnLst>
+        </p:cTn>
+      </p:par>
+    </p:tnLst>
+  </p:timing>
+</p:sld>
+</file>
+
+<file path=ppt/slides/slide13.xml><?xml version="1.0" encoding="utf-8"?>
+<p:sld xmlns:a="http://schemas.openxmlformats.org/drawingml/2006/main" xmlns:r="http://schemas.openxmlformats.org/officeDocument/2006/relationships" xmlns:p="http://schemas.openxmlformats.org/presentationml/2006/main">
+  <p:cSld>
+    <p:spTree>
+      <p:nvGrpSpPr>
+        <p:cNvPr id="1" name=""/>
+        <p:cNvGrpSpPr/>
+        <p:nvPr/>
+      </p:nvGrpSpPr>
+      <p:grpSpPr>
+        <a:xfrm>
+          <a:off x="0" y="0"/>
+          <a:ext cx="0" cy="0"/>
+          <a:chOff x="0" y="0"/>
+          <a:chExt cx="0" cy="0"/>
+        </a:xfrm>
+      </p:grpSpPr>
+      <p:sp>
+        <p:nvSpPr>
+          <p:cNvPr id="180" name="TextShape 1"/>
+          <p:cNvSpPr txBox="1"/>
+          <p:nvPr/>
+        </p:nvSpPr>
+        <p:spPr>
+          <a:xfrm>
+            <a:off x="504000" y="-122400"/>
+            <a:ext cx="9071640" cy="1253160"/>
+          </a:xfrm>
+          <a:prstGeom prst="rect">
+            <a:avLst/>
+          </a:prstGeom>
+          <a:noFill/>
+          <a:ln>
+            <a:noFill/>
+          </a:ln>
+        </p:spPr>
+        <p:txBody>
+          <a:bodyPr lIns="0" tIns="0" rIns="0" bIns="0" anchor="ctr">
+            <a:normAutofit lnSpcReduction="10000"/>
+          </a:bodyPr>
+          <a:lstStyle/>
+          <a:p>
+            <a:pPr algn="ctr"/>
+            <a:r>
+              <a:rPr lang="ru-RU" sz="4400" b="0" strike="noStrike" spc="-1">
+                <a:solidFill>
+                  <a:srgbClr val="FFFFFF"/>
+                </a:solidFill>
+                <a:latin typeface="Ubuntu"/>
+              </a:rPr>
+              <a:t>Используемые инструменты разработки </a:t>
+            </a:r>
+          </a:p>
+        </p:txBody>
+      </p:sp>
+      <p:pic>
+        <p:nvPicPr>
+          <p:cNvPr id="6" name="Рисунок 5" descr="Изображение выглядит как текст&#10;&#10;Автоматически созданное описание">
+            <a:extLst>
+              <a:ext uri="{FF2B5EF4-FFF2-40B4-BE49-F238E27FC236}">
+                <a16:creationId xmlns:a16="http://schemas.microsoft.com/office/drawing/2014/main" id="{C5C6D403-33D9-4FE4-AEA0-3BA529A408EB}"/>
+              </a:ext>
+            </a:extLst>
+          </p:cNvPr>
+          <p:cNvPicPr/>
+          <p:nvPr/>
+        </p:nvPicPr>
+        <p:blipFill>
+          <a:blip r:embed="rId2"/>
+          <a:stretch>
+            <a:fillRect/>
+          </a:stretch>
+        </p:blipFill>
+        <p:spPr>
+          <a:xfrm>
+            <a:off x="1224683" y="1704368"/>
+            <a:ext cx="7631258" cy="4987378"/>
+          </a:xfrm>
+          <a:prstGeom prst="rect">
+            <a:avLst/>
+          </a:prstGeom>
+        </p:spPr>
+      </p:pic>
+    </p:spTree>
+    <p:extLst>
+      <p:ext uri="{BB962C8B-B14F-4D97-AF65-F5344CB8AC3E}">
+        <p14:creationId xmlns:p14="http://schemas.microsoft.com/office/powerpoint/2010/main" val="516032335"/>
+      </p:ext>
+    </p:extLst>
+  </p:cSld>
+  <p:clrMapOvr>
+    <a:masterClrMapping/>
+  </p:clrMapOvr>
+  <p:timing>
+    <p:tnLst>
+      <p:par>
+        <p:cTn id="1" dur="indefinite" restart="never" nodeType="tmRoot">
+          <p:childTnLst>
+            <p:seq>
+              <p:cTn id="2" dur="indefinite" nodeType="mainSeq"/>
+              <p:prevCondLst>
+                <p:cond evt="onPrev" delay="0">
+                  <p:tgtEl>
+                    <p:sldTgt/>
+                  </p:tgtEl>
+                </p:cond>
+              </p:prevCondLst>
+              <p:nextCondLst>
+                <p:cond evt="onNext" delay="0">
+                  <p:tgtEl>
+                    <p:sldTgt/>
+                  </p:tgtEl>
+                </p:cond>
+              </p:nextCondLst>
+            </p:seq>
+          </p:childTnLst>
+        </p:cTn>
+      </p:par>
+    </p:tnLst>
+  </p:timing>
+</p:sld>
+</file>
+
+<file path=ppt/slides/slide14.xml><?xml version="1.0" encoding="utf-8"?>
+<p:sld xmlns:a="http://schemas.openxmlformats.org/drawingml/2006/main" xmlns:r="http://schemas.openxmlformats.org/officeDocument/2006/relationships" xmlns:p="http://schemas.openxmlformats.org/presentationml/2006/main">
+  <p:cSld>
+    <p:spTree>
+      <p:nvGrpSpPr>
+        <p:cNvPr id="1" name=""/>
+        <p:cNvGrpSpPr/>
+        <p:nvPr/>
+      </p:nvGrpSpPr>
+      <p:grpSpPr>
+        <a:xfrm>
+          <a:off x="0" y="0"/>
+          <a:ext cx="0" cy="0"/>
+          <a:chOff x="0" y="0"/>
+          <a:chExt cx="0" cy="0"/>
+        </a:xfrm>
+      </p:grpSpPr>
+      <p:sp>
+        <p:nvSpPr>
+          <p:cNvPr id="180" name="TextShape 1"/>
+          <p:cNvSpPr txBox="1"/>
+          <p:nvPr/>
+        </p:nvSpPr>
+        <p:spPr>
+          <a:xfrm>
+            <a:off x="504000" y="-122400"/>
+            <a:ext cx="9071640" cy="1253160"/>
+          </a:xfrm>
+          <a:prstGeom prst="rect">
+            <a:avLst/>
+          </a:prstGeom>
+          <a:noFill/>
+          <a:ln>
+            <a:noFill/>
+          </a:ln>
+        </p:spPr>
+        <p:txBody>
+          <a:bodyPr lIns="0" tIns="0" rIns="0" bIns="0" anchor="ctr">
+            <a:normAutofit lnSpcReduction="10000"/>
+          </a:bodyPr>
+          <a:lstStyle/>
+          <a:p>
+            <a:pPr algn="ctr"/>
+            <a:r>
+              <a:rPr lang="ru-RU" sz="4400" b="0" strike="noStrike" spc="-1">
+                <a:solidFill>
+                  <a:srgbClr val="FFFFFF"/>
+                </a:solidFill>
+                <a:latin typeface="Ubuntu"/>
+              </a:rPr>
+              <a:t>Используемые инструменты разработки </a:t>
+            </a:r>
+          </a:p>
+        </p:txBody>
+      </p:sp>
+      <p:pic>
+        <p:nvPicPr>
+          <p:cNvPr id="3" name="Рисунок 2">
+            <a:extLst>
+              <a:ext uri="{FF2B5EF4-FFF2-40B4-BE49-F238E27FC236}">
+                <a16:creationId xmlns:a16="http://schemas.microsoft.com/office/drawing/2014/main" id="{9BF32964-4AA8-4653-820D-677C8A06CE3A}"/>
+              </a:ext>
+            </a:extLst>
+          </p:cNvPr>
+          <p:cNvPicPr>
+            <a:picLocks noChangeAspect="1"/>
+          </p:cNvPicPr>
+          <p:nvPr/>
+        </p:nvPicPr>
+        <p:blipFill>
+          <a:blip r:embed="rId2"/>
+          <a:stretch>
+            <a:fillRect/>
+          </a:stretch>
+        </p:blipFill>
+        <p:spPr>
+          <a:xfrm>
+            <a:off x="1010675" y="1322044"/>
+            <a:ext cx="8059275" cy="4915586"/>
+          </a:xfrm>
+          <a:prstGeom prst="rect">
+            <a:avLst/>
+          </a:prstGeom>
+        </p:spPr>
+      </p:pic>
+    </p:spTree>
+    <p:extLst>
+      <p:ext uri="{BB962C8B-B14F-4D97-AF65-F5344CB8AC3E}">
+        <p14:creationId xmlns:p14="http://schemas.microsoft.com/office/powerpoint/2010/main" val="475368791"/>
+      </p:ext>
+    </p:extLst>
+  </p:cSld>
+  <p:clrMapOvr>
+    <a:masterClrMapping/>
+  </p:clrMapOvr>
+  <p:timing>
+    <p:tnLst>
+      <p:par>
+        <p:cTn id="1" dur="indefinite" restart="never" nodeType="tmRoot">
+          <p:childTnLst>
+            <p:seq>
+              <p:cTn id="2" dur="indefinite" nodeType="mainSeq"/>
+              <p:prevCondLst>
+                <p:cond evt="onPrev" delay="0">
+                  <p:tgtEl>
+                    <p:sldTgt/>
+                  </p:tgtEl>
+                </p:cond>
+              </p:prevCondLst>
+              <p:nextCondLst>
+                <p:cond evt="onNext" delay="0">
+                  <p:tgtEl>
+                    <p:sldTgt/>
+                  </p:tgtEl>
+                </p:cond>
+              </p:nextCondLst>
+            </p:seq>
+          </p:childTnLst>
+        </p:cTn>
+      </p:par>
+    </p:tnLst>
+  </p:timing>
+</p:sld>
+</file>
+
+<file path=ppt/slides/slide15.xml><?xml version="1.0" encoding="utf-8"?>
+<p:sld xmlns:a="http://schemas.openxmlformats.org/drawingml/2006/main" xmlns:r="http://schemas.openxmlformats.org/officeDocument/2006/relationships" xmlns:p="http://schemas.openxmlformats.org/presentationml/2006/main">
+  <p:cSld>
+    <p:spTree>
+      <p:nvGrpSpPr>
+        <p:cNvPr id="1" name=""/>
+        <p:cNvGrpSpPr/>
+        <p:nvPr/>
+      </p:nvGrpSpPr>
+      <p:grpSpPr>
+        <a:xfrm>
+          <a:off x="0" y="0"/>
+          <a:ext cx="0" cy="0"/>
+          <a:chOff x="0" y="0"/>
+          <a:chExt cx="0" cy="0"/>
+        </a:xfrm>
+      </p:grpSpPr>
+      <p:sp>
+        <p:nvSpPr>
+          <p:cNvPr id="180" name="TextShape 1"/>
+          <p:cNvSpPr txBox="1"/>
+          <p:nvPr/>
+        </p:nvSpPr>
+        <p:spPr>
+          <a:xfrm>
+            <a:off x="504000" y="-122400"/>
+            <a:ext cx="9071640" cy="1253160"/>
+          </a:xfrm>
+          <a:prstGeom prst="rect">
+            <a:avLst/>
+          </a:prstGeom>
+          <a:noFill/>
+          <a:ln>
+            <a:noFill/>
+          </a:ln>
+        </p:spPr>
+        <p:txBody>
+          <a:bodyPr lIns="0" tIns="0" rIns="0" bIns="0" anchor="ctr">
+            <a:normAutofit lnSpcReduction="10000"/>
+          </a:bodyPr>
+          <a:lstStyle/>
+          <a:p>
+            <a:pPr algn="ctr"/>
+            <a:r>
+              <a:rPr lang="ru-RU" sz="4400" b="0" strike="noStrike" spc="-1">
+                <a:solidFill>
+                  <a:srgbClr val="FFFFFF"/>
+                </a:solidFill>
+                <a:latin typeface="Ubuntu"/>
+              </a:rPr>
+              <a:t>Используемые инструменты разработки </a:t>
+            </a:r>
+          </a:p>
+        </p:txBody>
+      </p:sp>
+      <p:pic>
+        <p:nvPicPr>
+          <p:cNvPr id="3" name="Рисунок 2">
+            <a:extLst>
+              <a:ext uri="{FF2B5EF4-FFF2-40B4-BE49-F238E27FC236}">
+                <a16:creationId xmlns:a16="http://schemas.microsoft.com/office/drawing/2014/main" id="{FDEE852A-8F8A-43CE-B633-2745DED186B6}"/>
+              </a:ext>
+            </a:extLst>
+          </p:cNvPr>
+          <p:cNvPicPr>
+            <a:picLocks noChangeAspect="1"/>
+          </p:cNvPicPr>
+          <p:nvPr/>
+        </p:nvPicPr>
+        <p:blipFill>
+          <a:blip r:embed="rId2"/>
+          <a:stretch>
+            <a:fillRect/>
+          </a:stretch>
+        </p:blipFill>
+        <p:spPr>
+          <a:xfrm>
+            <a:off x="1979693" y="2148724"/>
+            <a:ext cx="6121237" cy="3794876"/>
+          </a:xfrm>
+          <a:prstGeom prst="rect">
+            <a:avLst/>
+          </a:prstGeom>
+        </p:spPr>
+      </p:pic>
+    </p:spTree>
+    <p:extLst>
+      <p:ext uri="{BB962C8B-B14F-4D97-AF65-F5344CB8AC3E}">
+        <p14:creationId xmlns:p14="http://schemas.microsoft.com/office/powerpoint/2010/main" val="1297236652"/>
+      </p:ext>
+    </p:extLst>
+  </p:cSld>
+  <p:clrMapOvr>
+    <a:masterClrMapping/>
+  </p:clrMapOvr>
+  <p:timing>
+    <p:tnLst>
+      <p:par>
+        <p:cTn id="1" dur="indefinite" restart="never" nodeType="tmRoot">
+          <p:childTnLst>
+            <p:seq>
+              <p:cTn id="2" dur="indefinite" nodeType="mainSeq"/>
+              <p:prevCondLst>
+                <p:cond evt="onPrev" delay="0">
+                  <p:tgtEl>
+                    <p:sldTgt/>
+                  </p:tgtEl>
+                </p:cond>
+              </p:prevCondLst>
+              <p:nextCondLst>
+                <p:cond evt="onNext" delay="0">
+                  <p:tgtEl>
+                    <p:sldTgt/>
+                  </p:tgtEl>
+                </p:cond>
+              </p:nextCondLst>
+            </p:seq>
+          </p:childTnLst>
+        </p:cTn>
+      </p:par>
+    </p:tnLst>
+  </p:timing>
+</p:sld>
+</file>
+
+<file path=ppt/slides/slide16.xml><?xml version="1.0" encoding="utf-8"?>
+<p:sld xmlns:a="http://schemas.openxmlformats.org/drawingml/2006/main" xmlns:r="http://schemas.openxmlformats.org/officeDocument/2006/relationships" xmlns:p="http://schemas.openxmlformats.org/presentationml/2006/main">
+  <p:cSld>
+    <p:spTree>
+      <p:nvGrpSpPr>
+        <p:cNvPr id="1" name=""/>
+        <p:cNvGrpSpPr/>
+        <p:nvPr/>
+      </p:nvGrpSpPr>
+      <p:grpSpPr>
+        <a:xfrm>
+          <a:off x="0" y="0"/>
+          <a:ext cx="0" cy="0"/>
+          <a:chOff x="0" y="0"/>
+          <a:chExt cx="0" cy="0"/>
+        </a:xfrm>
+      </p:grpSpPr>
+      <p:sp>
+        <p:nvSpPr>
           <p:cNvPr id="187" name="TextShape 1"/>
           <p:cNvSpPr txBox="1"/>
           <p:nvPr/>
@@ -5101,7 +5778,7 @@
               <a:rPr lang="ru-RU" sz="2400" b="0" strike="noStrike" spc="-1" dirty="0">
                 <a:latin typeface="Ubuntu"/>
               </a:rPr>
-              <a:t>Разработка модели передачи сообщений с симметричным методом шифрования данных</a:t>
+              <a:t>Добавление новых протоколов передачи данных</a:t>
             </a:r>
           </a:p>
           <a:p>
@@ -5120,7 +5797,7 @@
               <a:rPr lang="ru-RU" sz="2400" spc="-1" dirty="0">
                 <a:latin typeface="Ubuntu"/>
               </a:rPr>
-              <a:t>Возможность создания ситуаций перехвата сообщений третьей стороной с последующим изменением</a:t>
+              <a:t>Добавление новых алгоритмов шифрования</a:t>
             </a:r>
             <a:endParaRPr lang="ru-RU" sz="2400" b="0" strike="noStrike" spc="-1" dirty="0">
               <a:latin typeface="Ubuntu"/>
@@ -5827,7 +6504,7 @@
       </p:grpSpPr>
       <p:sp>
         <p:nvSpPr>
-          <p:cNvPr id="172" name="TextShape 1"/>
+          <p:cNvPr id="170" name="TextShape 1"/>
           <p:cNvSpPr txBox="1"/>
           <p:nvPr/>
         </p:nvSpPr>
@@ -5852,48 +6529,95 @@
           <a:p>
             <a:pPr algn="ctr"/>
             <a:r>
-              <a:rPr lang="ru-RU" sz="4400" b="0" strike="noStrike" spc="-1">
+              <a:rPr lang="ru-RU" sz="4400" b="0" strike="noStrike" spc="-1" dirty="0">
                 <a:solidFill>
                   <a:srgbClr val="FFFFFF"/>
                 </a:solidFill>
                 <a:latin typeface="Ubuntu"/>
               </a:rPr>
-              <a:t>Модульная структура</a:t>
-            </a:r>
-          </a:p>
-        </p:txBody>
-      </p:sp>
-      <p:pic>
-        <p:nvPicPr>
-          <p:cNvPr id="173" name="Рисунок 172"/>
-          <p:cNvPicPr/>
+              <a:t>Протоколы передачи данных</a:t>
+            </a:r>
+          </a:p>
+        </p:txBody>
+      </p:sp>
+      <p:sp>
+        <p:nvSpPr>
+          <p:cNvPr id="171" name="TextShape 2"/>
+          <p:cNvSpPr txBox="1"/>
           <p:nvPr/>
-        </p:nvPicPr>
-        <p:blipFill>
-          <a:blip r:embed="rId2">
-            <a:extLst>
-              <a:ext uri="{28A0092B-C50C-407E-A947-70E740481C1C}">
-                <a14:useLocalDpi xmlns:a14="http://schemas.microsoft.com/office/drawing/2010/main" val="0"/>
-              </a:ext>
-            </a:extLst>
-          </a:blip>
-          <a:srcRect/>
-          <a:stretch/>
-        </p:blipFill>
-        <p:spPr>
-          <a:xfrm>
-            <a:off x="1044088" y="2616747"/>
-            <a:ext cx="7990744" cy="2764440"/>
-          </a:xfrm>
-          <a:prstGeom prst="rect">
-            <a:avLst/>
-          </a:prstGeom>
+        </p:nvSpPr>
+        <p:spPr>
+          <a:xfrm>
+            <a:off x="504000" y="1949495"/>
+            <a:ext cx="9071640" cy="3986182"/>
+          </a:xfrm>
+          <a:prstGeom prst="rect">
+            <a:avLst/>
+          </a:prstGeom>
+          <a:noFill/>
           <a:ln>
             <a:noFill/>
           </a:ln>
         </p:spPr>
-      </p:pic>
+        <p:txBody>
+          <a:bodyPr lIns="0" tIns="0" rIns="0" bIns="0" anchor="ctr"/>
+          <a:lstStyle/>
+          <a:p>
+            <a:pPr>
+              <a:buClr>
+                <a:srgbClr val="000000"/>
+              </a:buClr>
+              <a:buSzPct val="45000"/>
+              <a:buFont typeface="Wingdings" charset="2"/>
+              <a:buChar char=""/>
+            </a:pPr>
+            <a:r>
+              <a:rPr lang="ru-RU" sz="2400" b="0" strike="noStrike" spc="-1" dirty="0">
+                <a:latin typeface="Arial"/>
+              </a:rPr>
+              <a:t>Обмен ключами с помощью симметричной криптографии</a:t>
+            </a:r>
+          </a:p>
+          <a:p>
+            <a:pPr>
+              <a:buClr>
+                <a:srgbClr val="000000"/>
+              </a:buClr>
+              <a:buSzPct val="45000"/>
+              <a:buFont typeface="Wingdings" charset="2"/>
+              <a:buChar char=""/>
+            </a:pPr>
+            <a:r>
+              <a:rPr lang="ru-RU" sz="2400" b="0" strike="noStrike" spc="-1" dirty="0">
+                <a:latin typeface="Arial"/>
+              </a:rPr>
+              <a:t>«Человек посередине»</a:t>
+            </a:r>
+          </a:p>
+          <a:p>
+            <a:pPr>
+              <a:buClr>
+                <a:srgbClr val="000000"/>
+              </a:buClr>
+              <a:buSzPct val="45000"/>
+              <a:buFont typeface="Wingdings" charset="2"/>
+              <a:buChar char=""/>
+            </a:pPr>
+            <a:r>
+              <a:rPr lang="ru-RU" sz="2400" b="0" strike="noStrike" spc="-1" dirty="0">
+                <a:latin typeface="Arial"/>
+              </a:rPr>
+              <a:t>Протокол «держась за руки»</a:t>
+            </a:r>
+          </a:p>
+        </p:txBody>
+      </p:sp>
     </p:spTree>
+    <p:extLst>
+      <p:ext uri="{BB962C8B-B14F-4D97-AF65-F5344CB8AC3E}">
+        <p14:creationId xmlns:p14="http://schemas.microsoft.com/office/powerpoint/2010/main" val="3564150143"/>
+      </p:ext>
+    </p:extLst>
   </p:cSld>
   <p:clrMapOvr>
     <a:masterClrMapping/>
@@ -5947,7 +6671,7 @@
       </p:grpSpPr>
       <p:sp>
         <p:nvSpPr>
-          <p:cNvPr id="174" name="TextShape 1"/>
+          <p:cNvPr id="172" name="TextShape 1"/>
           <p:cNvSpPr txBox="1"/>
           <p:nvPr/>
         </p:nvSpPr>
@@ -5978,132 +6702,41 @@
                 </a:solidFill>
                 <a:latin typeface="Ubuntu"/>
               </a:rPr>
-              <a:t>Алгоритмы функционирования</a:t>
-            </a:r>
-          </a:p>
-        </p:txBody>
-      </p:sp>
-      <p:sp>
-        <p:nvSpPr>
-          <p:cNvPr id="175" name="TextShape 2"/>
-          <p:cNvSpPr txBox="1"/>
+              <a:t>Модульная структура</a:t>
+            </a:r>
+          </a:p>
+        </p:txBody>
+      </p:sp>
+      <p:pic>
+        <p:nvPicPr>
+          <p:cNvPr id="173" name="Рисунок 172"/>
+          <p:cNvPicPr/>
           <p:nvPr/>
-        </p:nvSpPr>
-        <p:spPr>
-          <a:xfrm>
-            <a:off x="504000" y="1769040"/>
-            <a:ext cx="9071640" cy="4384800"/>
-          </a:xfrm>
-          <a:prstGeom prst="rect">
-            <a:avLst/>
-          </a:prstGeom>
-          <a:noFill/>
+        </p:nvPicPr>
+        <p:blipFill>
+          <a:blip r:embed="rId2">
+            <a:extLst>
+              <a:ext uri="{28A0092B-C50C-407E-A947-70E740481C1C}">
+                <a14:useLocalDpi xmlns:a14="http://schemas.microsoft.com/office/drawing/2010/main" val="0"/>
+              </a:ext>
+            </a:extLst>
+          </a:blip>
+          <a:srcRect/>
+          <a:stretch/>
+        </p:blipFill>
+        <p:spPr>
+          <a:xfrm>
+            <a:off x="1044088" y="2616747"/>
+            <a:ext cx="7990744" cy="2764440"/>
+          </a:xfrm>
+          <a:prstGeom prst="rect">
+            <a:avLst/>
+          </a:prstGeom>
           <a:ln>
             <a:noFill/>
           </a:ln>
         </p:spPr>
-        <p:txBody>
-          <a:bodyPr lIns="0" tIns="0" rIns="0" bIns="0">
-            <a:normAutofit/>
-          </a:bodyPr>
-          <a:lstStyle/>
-          <a:p>
-            <a:pPr marL="432000" indent="-324000">
-              <a:spcAft>
-                <a:spcPts val="1417"/>
-              </a:spcAft>
-              <a:buClr>
-                <a:srgbClr val="000000"/>
-              </a:buClr>
-              <a:buSzPct val="45000"/>
-              <a:buFont typeface="Wingdings" charset="2"/>
-              <a:buChar char=""/>
-            </a:pPr>
-            <a:r>
-              <a:rPr lang="ru-RU" sz="2400" b="0" strike="noStrike" spc="-1" dirty="0">
-                <a:latin typeface="Ubuntu"/>
-              </a:rPr>
-              <a:t>Алгоритмы генерации заданий</a:t>
-            </a:r>
-          </a:p>
-          <a:p>
-            <a:pPr marL="432000" indent="-324000">
-              <a:spcAft>
-                <a:spcPts val="1417"/>
-              </a:spcAft>
-              <a:buClr>
-                <a:srgbClr val="000000"/>
-              </a:buClr>
-              <a:buSzPct val="45000"/>
-              <a:buFont typeface="Wingdings" charset="2"/>
-              <a:buChar char=""/>
-            </a:pPr>
-            <a:r>
-              <a:rPr lang="ru-RU" sz="2400" spc="-1" dirty="0">
-                <a:latin typeface="Ubuntu"/>
-              </a:rPr>
-              <a:t>Алгоритмы генерации ключей</a:t>
-            </a:r>
-          </a:p>
-          <a:p>
-            <a:pPr marL="432000" indent="-324000">
-              <a:spcAft>
-                <a:spcPts val="1417"/>
-              </a:spcAft>
-              <a:buClr>
-                <a:srgbClr val="000000"/>
-              </a:buClr>
-              <a:buSzPct val="45000"/>
-              <a:buFont typeface="Wingdings" charset="2"/>
-              <a:buChar char=""/>
-            </a:pPr>
-            <a:r>
-              <a:rPr lang="ru-RU" sz="2400" b="0" strike="noStrike" spc="-1" dirty="0">
-                <a:latin typeface="Ubuntu"/>
-              </a:rPr>
-              <a:t>Алгоритмы шифрования сообщения</a:t>
-            </a:r>
-          </a:p>
-          <a:p>
-            <a:pPr marL="432000" indent="-324000">
-              <a:spcAft>
-                <a:spcPts val="1417"/>
-              </a:spcAft>
-              <a:buClr>
-                <a:srgbClr val="000000"/>
-              </a:buClr>
-              <a:buSzPct val="45000"/>
-              <a:buFont typeface="Wingdings" charset="2"/>
-              <a:buChar char=""/>
-            </a:pPr>
-            <a:r>
-              <a:rPr lang="ru-RU" sz="2400" spc="-1" dirty="0">
-                <a:latin typeface="Ubuntu"/>
-              </a:rPr>
-              <a:t>Алгоритмы дешифрования сообщения</a:t>
-            </a:r>
-          </a:p>
-          <a:p>
-            <a:pPr marL="432000" indent="-324000">
-              <a:spcAft>
-                <a:spcPts val="1417"/>
-              </a:spcAft>
-              <a:buClr>
-                <a:srgbClr val="000000"/>
-              </a:buClr>
-              <a:buSzPct val="45000"/>
-              <a:buFont typeface="Wingdings" charset="2"/>
-              <a:buChar char=""/>
-            </a:pPr>
-            <a:r>
-              <a:rPr lang="ru-RU" sz="2400" b="0" strike="noStrike" spc="-1" dirty="0">
-                <a:latin typeface="Ubuntu"/>
-              </a:rPr>
-              <a:t>Алгоритмы передачи сообщений</a:t>
-            </a:r>
-          </a:p>
-        </p:txBody>
-      </p:sp>
+      </p:pic>
     </p:spTree>
   </p:cSld>
   <p:clrMapOvr>
@@ -6140,7 +6773,7 @@
 </file>
 
 <file path=ppt/slides/slide7.xml><?xml version="1.0" encoding="utf-8"?>
-<p:sld xmlns:a="http://schemas.openxmlformats.org/drawingml/2006/main" xmlns:r="http://schemas.openxmlformats.org/officeDocument/2006/relationships" xmlns:p="http://schemas.openxmlformats.org/presentationml/2006/main" show="0">
+<p:sld xmlns:a="http://schemas.openxmlformats.org/drawingml/2006/main" xmlns:r="http://schemas.openxmlformats.org/officeDocument/2006/relationships" xmlns:p="http://schemas.openxmlformats.org/presentationml/2006/main">
   <p:cSld>
     <p:spTree>
       <p:nvGrpSpPr>
@@ -6158,7 +6791,7 @@
       </p:grpSpPr>
       <p:sp>
         <p:nvSpPr>
-          <p:cNvPr id="176" name="TextShape 1"/>
+          <p:cNvPr id="174" name="TextShape 1"/>
           <p:cNvSpPr txBox="1"/>
           <p:nvPr/>
         </p:nvSpPr>
@@ -6189,34 +6822,132 @@
                 </a:solidFill>
                 <a:latin typeface="Ubuntu"/>
               </a:rPr>
-              <a:t>Диаграммы классов</a:t>
-            </a:r>
-          </a:p>
-        </p:txBody>
-      </p:sp>
-      <p:pic>
-        <p:nvPicPr>
-          <p:cNvPr id="177" name="Рисунок 176"/>
-          <p:cNvPicPr/>
+              <a:t>Алгоритмы функционирования</a:t>
+            </a:r>
+          </a:p>
+        </p:txBody>
+      </p:sp>
+      <p:sp>
+        <p:nvSpPr>
+          <p:cNvPr id="175" name="TextShape 2"/>
+          <p:cNvSpPr txBox="1"/>
           <p:nvPr/>
-        </p:nvPicPr>
-        <p:blipFill>
-          <a:blip r:embed="rId2"/>
-          <a:stretch/>
-        </p:blipFill>
-        <p:spPr>
-          <a:xfrm>
-            <a:off x="2291760" y="1769040"/>
-            <a:ext cx="5495760" cy="4384800"/>
-          </a:xfrm>
-          <a:prstGeom prst="rect">
-            <a:avLst/>
-          </a:prstGeom>
+        </p:nvSpPr>
+        <p:spPr>
+          <a:xfrm>
+            <a:off x="504000" y="1769040"/>
+            <a:ext cx="9071640" cy="4384800"/>
+          </a:xfrm>
+          <a:prstGeom prst="rect">
+            <a:avLst/>
+          </a:prstGeom>
+          <a:noFill/>
           <a:ln>
             <a:noFill/>
           </a:ln>
         </p:spPr>
-      </p:pic>
+        <p:txBody>
+          <a:bodyPr lIns="0" tIns="0" rIns="0" bIns="0">
+            <a:normAutofit/>
+          </a:bodyPr>
+          <a:lstStyle/>
+          <a:p>
+            <a:pPr marL="432000" indent="-324000">
+              <a:spcAft>
+                <a:spcPts val="1417"/>
+              </a:spcAft>
+              <a:buClr>
+                <a:srgbClr val="000000"/>
+              </a:buClr>
+              <a:buSzPct val="45000"/>
+              <a:buFont typeface="Wingdings" charset="2"/>
+              <a:buChar char=""/>
+            </a:pPr>
+            <a:r>
+              <a:rPr lang="ru-RU" sz="2400" b="0" strike="noStrike" spc="-1" dirty="0">
+                <a:latin typeface="Ubuntu"/>
+              </a:rPr>
+              <a:t>Алгоритмы генерации заданий</a:t>
+            </a:r>
+          </a:p>
+          <a:p>
+            <a:pPr marL="432000" indent="-324000">
+              <a:spcAft>
+                <a:spcPts val="1417"/>
+              </a:spcAft>
+              <a:buClr>
+                <a:srgbClr val="000000"/>
+              </a:buClr>
+              <a:buSzPct val="45000"/>
+              <a:buFont typeface="Wingdings" charset="2"/>
+              <a:buChar char=""/>
+            </a:pPr>
+            <a:r>
+              <a:rPr lang="ru-RU" sz="2400" spc="-1" dirty="0">
+                <a:latin typeface="Ubuntu"/>
+              </a:rPr>
+              <a:t>Алгоритмы генерации ключей</a:t>
+            </a:r>
+          </a:p>
+          <a:p>
+            <a:pPr marL="432000" indent="-324000">
+              <a:spcAft>
+                <a:spcPts val="1417"/>
+              </a:spcAft>
+              <a:buClr>
+                <a:srgbClr val="000000"/>
+              </a:buClr>
+              <a:buSzPct val="45000"/>
+              <a:buFont typeface="Wingdings" charset="2"/>
+              <a:buChar char=""/>
+            </a:pPr>
+            <a:r>
+              <a:rPr lang="ru-RU" sz="2400" b="0" strike="noStrike" spc="-1" dirty="0">
+                <a:latin typeface="Ubuntu"/>
+              </a:rPr>
+              <a:t>Алгоритмы шифрования сообщения</a:t>
+            </a:r>
+          </a:p>
+          <a:p>
+            <a:pPr marL="432000" indent="-324000">
+              <a:spcAft>
+                <a:spcPts val="1417"/>
+              </a:spcAft>
+              <a:buClr>
+                <a:srgbClr val="000000"/>
+              </a:buClr>
+              <a:buSzPct val="45000"/>
+              <a:buFont typeface="Wingdings" charset="2"/>
+              <a:buChar char=""/>
+            </a:pPr>
+            <a:r>
+              <a:rPr lang="ru-RU" sz="2400" spc="-1" dirty="0">
+                <a:latin typeface="Ubuntu"/>
+              </a:rPr>
+              <a:t>Алгоритмы дешифрования сообщения</a:t>
+            </a:r>
+          </a:p>
+          <a:p>
+            <a:pPr marL="432000" indent="-324000">
+              <a:spcAft>
+                <a:spcPts val="1417"/>
+              </a:spcAft>
+              <a:buClr>
+                <a:srgbClr val="000000"/>
+              </a:buClr>
+              <a:buSzPct val="45000"/>
+              <a:buFont typeface="Wingdings" charset="2"/>
+              <a:buChar char=""/>
+            </a:pPr>
+            <a:r>
+              <a:rPr lang="ru-RU" sz="2400" b="0" strike="noStrike" spc="-1" dirty="0">
+                <a:latin typeface="Ubuntu"/>
+              </a:rPr>
+              <a:t>Алгоритмы передачи сообщений</a:t>
+            </a:r>
+          </a:p>
+        </p:txBody>
+      </p:sp>
     </p:spTree>
   </p:cSld>
   <p:clrMapOvr>
@@ -6253,7 +6984,7 @@
 </file>
 
 <file path=ppt/slides/slide8.xml><?xml version="1.0" encoding="utf-8"?>
-<p:sld xmlns:a="http://schemas.openxmlformats.org/drawingml/2006/main" xmlns:r="http://schemas.openxmlformats.org/officeDocument/2006/relationships" xmlns:p="http://schemas.openxmlformats.org/presentationml/2006/main">
+<p:sld xmlns:a="http://schemas.openxmlformats.org/drawingml/2006/main" xmlns:r="http://schemas.openxmlformats.org/officeDocument/2006/relationships" xmlns:p="http://schemas.openxmlformats.org/presentationml/2006/main" show="0">
   <p:cSld>
     <p:spTree>
       <p:nvGrpSpPr>
@@ -6271,14 +7002,14 @@
       </p:grpSpPr>
       <p:sp>
         <p:nvSpPr>
-          <p:cNvPr id="180" name="TextShape 1"/>
+          <p:cNvPr id="176" name="TextShape 1"/>
           <p:cNvSpPr txBox="1"/>
           <p:nvPr/>
         </p:nvSpPr>
         <p:spPr>
           <a:xfrm>
-            <a:off x="504000" y="-122400"/>
-            <a:ext cx="9071640" cy="1253160"/>
+            <a:off x="504000" y="72000"/>
+            <a:ext cx="9071640" cy="864000"/>
           </a:xfrm>
           <a:prstGeom prst="rect">
             <a:avLst/>
@@ -6290,7 +7021,7 @@
         </p:spPr>
         <p:txBody>
           <a:bodyPr lIns="0" tIns="0" rIns="0" bIns="0" anchor="ctr">
-            <a:normAutofit lnSpcReduction="10000"/>
+            <a:normAutofit/>
           </a:bodyPr>
           <a:lstStyle/>
           <a:p>
@@ -6302,85 +7033,25 @@
                 </a:solidFill>
                 <a:latin typeface="Ubuntu"/>
               </a:rPr>
-              <a:t>Используемые инструменты разработки </a:t>
+              <a:t>Диаграммы классов</a:t>
             </a:r>
           </a:p>
         </p:txBody>
       </p:sp>
       <p:pic>
         <p:nvPicPr>
-          <p:cNvPr id="181" name="Рисунок 180"/>
+          <p:cNvPr id="177" name="Рисунок 176"/>
           <p:cNvPicPr/>
           <p:nvPr/>
         </p:nvPicPr>
         <p:blipFill>
-          <a:blip r:embed="rId2">
-            <a:extLst>
-              <a:ext uri="{28A0092B-C50C-407E-A947-70E740481C1C}">
-                <a14:useLocalDpi xmlns:a14="http://schemas.microsoft.com/office/drawing/2010/main" val="0"/>
-              </a:ext>
-            </a:extLst>
-          </a:blip>
-          <a:srcRect/>
+          <a:blip r:embed="rId2"/>
           <a:stretch/>
         </p:blipFill>
         <p:spPr>
           <a:xfrm>
-            <a:off x="1811520" y="1908720"/>
-            <a:ext cx="1811160" cy="1811160"/>
-          </a:xfrm>
-          <a:prstGeom prst="rect">
-            <a:avLst/>
-          </a:prstGeom>
-          <a:ln>
-            <a:noFill/>
-          </a:ln>
-        </p:spPr>
-      </p:pic>
-      <p:pic>
-        <p:nvPicPr>
-          <p:cNvPr id="182" name="Рисунок 181"/>
-          <p:cNvPicPr/>
-          <p:nvPr/>
-        </p:nvPicPr>
-        <p:blipFill>
-          <a:blip r:embed="rId3">
-            <a:extLst>
-              <a:ext uri="{28A0092B-C50C-407E-A947-70E740481C1C}">
-                <a14:useLocalDpi xmlns:a14="http://schemas.microsoft.com/office/drawing/2010/main" val="0"/>
-              </a:ext>
-            </a:extLst>
-          </a:blip>
-          <a:srcRect/>
-          <a:stretch/>
-        </p:blipFill>
-        <p:spPr>
-          <a:xfrm>
-            <a:off x="5631235" y="2011320"/>
-            <a:ext cx="3469449" cy="3900240"/>
-          </a:xfrm>
-          <a:prstGeom prst="rect">
-            <a:avLst/>
-          </a:prstGeom>
-          <a:ln>
-            <a:noFill/>
-          </a:ln>
-        </p:spPr>
-      </p:pic>
-      <p:pic>
-        <p:nvPicPr>
-          <p:cNvPr id="183" name="Рисунок 182"/>
-          <p:cNvPicPr/>
-          <p:nvPr/>
-        </p:nvPicPr>
-        <p:blipFill>
-          <a:blip r:embed="rId4"/>
-          <a:stretch/>
-        </p:blipFill>
-        <p:spPr>
-          <a:xfrm>
-            <a:off x="1671480" y="4059000"/>
-            <a:ext cx="2091240" cy="2091240"/>
+            <a:off x="2291760" y="1769040"/>
+            <a:ext cx="5495760" cy="4384800"/>
           </a:xfrm>
           <a:prstGeom prst="rect">
             <a:avLst/>
@@ -6444,14 +7115,14 @@
       </p:grpSpPr>
       <p:sp>
         <p:nvSpPr>
-          <p:cNvPr id="184" name="TextShape 1"/>
+          <p:cNvPr id="180" name="TextShape 1"/>
           <p:cNvSpPr txBox="1"/>
           <p:nvPr/>
         </p:nvSpPr>
         <p:spPr>
           <a:xfrm>
-            <a:off x="504000" y="72000"/>
-            <a:ext cx="9071640" cy="864000"/>
+            <a:off x="504000" y="-122400"/>
+            <a:ext cx="9071640" cy="1253160"/>
           </a:xfrm>
           <a:prstGeom prst="rect">
             <a:avLst/>
@@ -6463,7 +7134,7 @@
         </p:spPr>
         <p:txBody>
           <a:bodyPr lIns="0" tIns="0" rIns="0" bIns="0" anchor="ctr">
-            <a:normAutofit/>
+            <a:normAutofit lnSpcReduction="10000"/>
           </a:bodyPr>
           <a:lstStyle/>
           <a:p>
@@ -6475,73 +7146,15 @@
                 </a:solidFill>
                 <a:latin typeface="Ubuntu"/>
               </a:rPr>
-              <a:t>Пользовательский интерфейс</a:t>
-            </a:r>
-          </a:p>
-        </p:txBody>
-      </p:sp>
-      <p:sp>
-        <p:nvSpPr>
-          <p:cNvPr id="2" name="Заголовок 1">
-            <a:extLst>
-              <a:ext uri="{FF2B5EF4-FFF2-40B4-BE49-F238E27FC236}">
-                <a16:creationId xmlns:a16="http://schemas.microsoft.com/office/drawing/2014/main" id="{EC203A53-7C1B-464D-A43F-7E5582DB8CFD}"/>
-              </a:ext>
-            </a:extLst>
-          </p:cNvPr>
-          <p:cNvSpPr>
-            <a:spLocks noGrp="1"/>
-          </p:cNvSpPr>
-          <p:nvPr>
-            <p:ph type="title"/>
-          </p:nvPr>
-        </p:nvSpPr>
-        <p:spPr/>
-        <p:txBody>
-          <a:bodyPr/>
-          <a:lstStyle/>
-          <a:p>
-            <a:endParaRPr lang="ru-RU" dirty="0"/>
-          </a:p>
-        </p:txBody>
-      </p:sp>
-      <p:sp>
-        <p:nvSpPr>
-          <p:cNvPr id="3" name="Текст 2">
-            <a:extLst>
-              <a:ext uri="{FF2B5EF4-FFF2-40B4-BE49-F238E27FC236}">
-                <a16:creationId xmlns:a16="http://schemas.microsoft.com/office/drawing/2014/main" id="{94630779-F4F0-475B-B52D-5616A985CBEE}"/>
-              </a:ext>
-            </a:extLst>
-          </p:cNvPr>
-          <p:cNvSpPr>
-            <a:spLocks noGrp="1"/>
-          </p:cNvSpPr>
-          <p:nvPr>
-            <p:ph type="body"/>
-          </p:nvPr>
-        </p:nvSpPr>
-        <p:spPr/>
-        <p:txBody>
-          <a:bodyPr/>
-          <a:lstStyle/>
-          <a:p>
-            <a:endParaRPr lang="ru-RU" dirty="0"/>
+              <a:t>Используемые инструменты разработки </a:t>
+            </a:r>
           </a:p>
         </p:txBody>
       </p:sp>
       <p:pic>
         <p:nvPicPr>
-          <p:cNvPr id="5" name="Рисунок 4" descr="Изображение выглядит как стол&#10;&#10;Автоматически созданное описание">
-            <a:extLst>
-              <a:ext uri="{FF2B5EF4-FFF2-40B4-BE49-F238E27FC236}">
-                <a16:creationId xmlns:a16="http://schemas.microsoft.com/office/drawing/2014/main" id="{4901E6BB-68DA-4BBD-938F-D01378844E2E}"/>
-              </a:ext>
-            </a:extLst>
-          </p:cNvPr>
-          <p:cNvPicPr>
-            <a:picLocks noChangeAspect="1"/>
-          </p:cNvPicPr>
+          <p:cNvPr id="181" name="Рисунок 180"/>
+          <p:cNvPicPr/>
           <p:nvPr/>
         </p:nvPicPr>
         <p:blipFill>
@@ -6552,18 +7165,73 @@
               </a:ext>
             </a:extLst>
           </a:blip>
-          <a:stretch>
-            <a:fillRect/>
-          </a:stretch>
+          <a:srcRect/>
+          <a:stretch/>
         </p:blipFill>
         <p:spPr>
           <a:xfrm>
-            <a:off x="504000" y="1869424"/>
-            <a:ext cx="9147213" cy="4067303"/>
-          </a:xfrm>
-          <a:prstGeom prst="rect">
-            <a:avLst/>
-          </a:prstGeom>
+            <a:off x="1811520" y="1908720"/>
+            <a:ext cx="1811160" cy="1811160"/>
+          </a:xfrm>
+          <a:prstGeom prst="rect">
+            <a:avLst/>
+          </a:prstGeom>
+          <a:ln>
+            <a:noFill/>
+          </a:ln>
+        </p:spPr>
+      </p:pic>
+      <p:pic>
+        <p:nvPicPr>
+          <p:cNvPr id="182" name="Рисунок 181"/>
+          <p:cNvPicPr/>
+          <p:nvPr/>
+        </p:nvPicPr>
+        <p:blipFill>
+          <a:blip r:embed="rId3">
+            <a:extLst>
+              <a:ext uri="{28A0092B-C50C-407E-A947-70E740481C1C}">
+                <a14:useLocalDpi xmlns:a14="http://schemas.microsoft.com/office/drawing/2010/main" val="0"/>
+              </a:ext>
+            </a:extLst>
+          </a:blip>
+          <a:srcRect/>
+          <a:stretch/>
+        </p:blipFill>
+        <p:spPr>
+          <a:xfrm>
+            <a:off x="5631235" y="2011320"/>
+            <a:ext cx="3469449" cy="3900240"/>
+          </a:xfrm>
+          <a:prstGeom prst="rect">
+            <a:avLst/>
+          </a:prstGeom>
+          <a:ln>
+            <a:noFill/>
+          </a:ln>
+        </p:spPr>
+      </p:pic>
+      <p:pic>
+        <p:nvPicPr>
+          <p:cNvPr id="183" name="Рисунок 182"/>
+          <p:cNvPicPr/>
+          <p:nvPr/>
+        </p:nvPicPr>
+        <p:blipFill>
+          <a:blip r:embed="rId4"/>
+          <a:stretch/>
+        </p:blipFill>
+        <p:spPr>
+          <a:xfrm>
+            <a:off x="1671480" y="4059000"/>
+            <a:ext cx="2091240" cy="2091240"/>
+          </a:xfrm>
+          <a:prstGeom prst="rect">
+            <a:avLst/>
+          </a:prstGeom>
+          <a:ln>
+            <a:noFill/>
+          </a:ln>
         </p:spPr>
       </p:pic>
     </p:spTree>
